--- a/Vortrag/Vortrag_04072018.pptx
+++ b/Vortrag/Vortrag_04072018.pptx
@@ -1635,7 +1635,11 @@
               </a:spcBef>
               <a:buNone/>
             </a:pPr>
-            <a:endParaRPr/>
+            <a:r>
+              <a:rPr lang="de-DE" dirty="0"/>
+              <a:t>20Hz</a:t>
+            </a:r>
+            <a:endParaRPr dirty="0"/>
           </a:p>
         </p:txBody>
       </p:sp>
@@ -2016,10 +2020,10 @@
           <a:bodyPr/>
           <a:lstStyle/>
           <a:p>
-            <a:r>
-              <a:rPr lang="de-DE"/>
-              <a:t>20Hz</a:t>
-            </a:r>
+            <a:pPr>
+              <a:buNone/>
+            </a:pPr>
+            <a:endParaRPr lang="de-DE" dirty="0"/>
           </a:p>
         </p:txBody>
       </p:sp>
@@ -7046,81 +7050,36 @@
             </a:pPr>
             <a:r>
               <a:rPr lang="de-DE" dirty="0"/>
-              <a:t>Data </a:t>
+              <a:t>Language </a:t>
             </a:r>
             <a:r>
               <a:rPr lang="de-DE" dirty="0" err="1"/>
-              <a:t>Structures</a:t>
-            </a:r>
-            <a:endParaRPr lang="de-DE" dirty="0"/>
-          </a:p>
-          <a:p>
-            <a:pPr lvl="1" indent="-342900">
-              <a:spcBef>
-                <a:spcPts val="0"/>
-              </a:spcBef>
-              <a:buFont typeface="Noto Sans Symbols"/>
-              <a:buChar char="▪"/>
-            </a:pPr>
+              <a:t>is</a:t>
+            </a:r>
+            <a:r>
+              <a:rPr lang="de-DE" dirty="0"/>
+              <a:t> easy </a:t>
+            </a:r>
             <a:r>
               <a:rPr lang="de-DE" dirty="0" err="1"/>
-              <a:t>FSM.GroupHolder.groups</a:t>
+              <a:t>to</a:t>
             </a:r>
             <a:r>
               <a:rPr lang="de-DE" dirty="0"/>
-              <a:t>.</a:t>
-            </a:r>
-          </a:p>
-          <a:p>
-            <a:pPr lvl="2" indent="-342900">
-              <a:spcBef>
-                <a:spcPts val="0"/>
-              </a:spcBef>
-              <a:buFont typeface="Noto Sans Symbols"/>
-              <a:buChar char="▪"/>
-            </a:pPr>
+              <a:t> </a:t>
+            </a:r>
             <a:r>
               <a:rPr lang="de-DE" dirty="0" err="1"/>
-              <a:t>Character</a:t>
-            </a:r>
-            <a:endParaRPr lang="de-DE" dirty="0"/>
-          </a:p>
-          <a:p>
-            <a:pPr lvl="2" indent="-342900">
-              <a:spcBef>
-                <a:spcPts val="0"/>
-              </a:spcBef>
-              <a:buFont typeface="Noto Sans Symbols"/>
-              <a:buChar char="▪"/>
-            </a:pPr>
+              <a:t>use</a:t>
+            </a:r>
+            <a:r>
+              <a:rPr lang="de-DE" dirty="0"/>
+              <a:t> and </a:t>
+            </a:r>
             <a:r>
               <a:rPr lang="de-DE" dirty="0" err="1"/>
-              <a:t>Scenery</a:t>
-            </a:r>
-            <a:endParaRPr lang="de-DE" dirty="0"/>
-          </a:p>
-          <a:p>
-            <a:pPr lvl="2" indent="-342900">
-              <a:spcBef>
-                <a:spcPts val="0"/>
-              </a:spcBef>
-              <a:buFont typeface="Noto Sans Symbols"/>
-              <a:buChar char="▪"/>
-            </a:pPr>
-            <a:r>
-              <a:rPr lang="de-DE" dirty="0" err="1"/>
-              <a:t>Solids</a:t>
-            </a:r>
-            <a:endParaRPr lang="de-DE" dirty="0"/>
-          </a:p>
-          <a:p>
-            <a:pPr lvl="2" indent="-342900">
-              <a:spcBef>
-                <a:spcPts val="0"/>
-              </a:spcBef>
-              <a:buFont typeface="Noto Sans Symbols"/>
-              <a:buChar char="▪"/>
-            </a:pPr>
+              <a:t>understand</a:t>
+            </a:r>
             <a:endParaRPr lang="de-DE" dirty="0"/>
           </a:p>
           <a:p>
@@ -7156,12 +7115,8 @@
               <a:buChar char="▪"/>
             </a:pPr>
             <a:r>
-              <a:rPr lang="de-DE" dirty="0"/>
-              <a:t>Interaction – </a:t>
-            </a:r>
-            <a:r>
               <a:rPr lang="de-DE" dirty="0" err="1"/>
-              <a:t>Simulating</a:t>
+              <a:t>Good</a:t>
             </a:r>
             <a:r>
               <a:rPr lang="de-DE" dirty="0"/>
@@ -7169,7 +7124,7 @@
             </a:r>
             <a:r>
               <a:rPr lang="de-DE" dirty="0" err="1"/>
-              <a:t>key</a:t>
+              <a:t>visualization</a:t>
             </a:r>
             <a:r>
               <a:rPr lang="de-DE" dirty="0"/>
@@ -7177,42 +7132,90 @@
             </a:r>
             <a:r>
               <a:rPr lang="de-DE" dirty="0" err="1"/>
-              <a:t>presses</a:t>
+              <a:t>of</a:t>
+            </a:r>
+            <a:r>
+              <a:rPr lang="de-DE" dirty="0"/>
+              <a:t> </a:t>
+            </a:r>
+            <a:r>
+              <a:rPr lang="de-DE" dirty="0" err="1"/>
+              <a:t>model</a:t>
+            </a:r>
+            <a:r>
+              <a:rPr lang="de-DE" dirty="0"/>
+              <a:t> </a:t>
+            </a:r>
+            <a:r>
+              <a:rPr lang="de-DE" dirty="0" err="1"/>
+              <a:t>hierarchy</a:t>
             </a:r>
             <a:endParaRPr lang="de-DE" dirty="0"/>
           </a:p>
           <a:p>
-            <a:pPr lvl="1" indent="-342900">
-              <a:spcBef>
-                <a:spcPts val="0"/>
-              </a:spcBef>
+            <a:pPr marL="0" marR="0" lvl="0" indent="0" algn="l" rtl="0">
+              <a:spcBef>
+                <a:spcPts val="0"/>
+              </a:spcBef>
+              <a:spcAft>
+                <a:spcPts val="0"/>
+              </a:spcAft>
+              <a:buClr>
+                <a:schemeClr val="dk1"/>
+              </a:buClr>
+              <a:buSzPct val="100000"/>
+              <a:buNone/>
+            </a:pPr>
+            <a:endParaRPr lang="de-DE" dirty="0"/>
+          </a:p>
+          <a:p>
+            <a:pPr marL="342900" marR="0" lvl="0" indent="-342900" algn="l" rtl="0">
+              <a:spcBef>
+                <a:spcPts val="0"/>
+              </a:spcBef>
+              <a:spcAft>
+                <a:spcPts val="0"/>
+              </a:spcAft>
+              <a:buClr>
+                <a:schemeClr val="dk1"/>
+              </a:buClr>
+              <a:buSzPct val="100000"/>
               <a:buFont typeface="Noto Sans Symbols"/>
               <a:buChar char="▪"/>
             </a:pPr>
             <a:r>
+              <a:rPr lang="de-DE" dirty="0"/>
+              <a:t>Error </a:t>
+            </a:r>
+            <a:r>
               <a:rPr lang="de-DE" dirty="0" err="1"/>
-              <a:t>Direction</a:t>
+              <a:t>finding</a:t>
             </a:r>
             <a:r>
               <a:rPr lang="de-DE" dirty="0"/>
-              <a:t> (</a:t>
+              <a:t> </a:t>
             </a:r>
             <a:r>
               <a:rPr lang="de-DE" dirty="0" err="1"/>
-              <a:t>left</a:t>
+              <a:t>is</a:t>
             </a:r>
             <a:r>
               <a:rPr lang="de-DE" dirty="0"/>
-              <a:t> / </a:t>
+              <a:t> a </a:t>
             </a:r>
             <a:r>
               <a:rPr lang="de-DE" dirty="0" err="1"/>
-              <a:t>right</a:t>
+              <a:t>tedious</a:t>
             </a:r>
             <a:r>
               <a:rPr lang="de-DE" dirty="0"/>
-              <a:t>)</a:t>
-            </a:r>
+              <a:t> </a:t>
+            </a:r>
+            <a:r>
+              <a:rPr lang="de-DE" dirty="0" err="1"/>
+              <a:t>process</a:t>
+            </a:r>
+            <a:endParaRPr lang="de-DE" dirty="0"/>
           </a:p>
           <a:p>
             <a:pPr lvl="1" indent="-342900">
@@ -7224,72 +7227,169 @@
             </a:pPr>
             <a:r>
               <a:rPr lang="de-DE" dirty="0"/>
-              <a:t>Jump (</a:t>
+              <a:t>Small </a:t>
             </a:r>
             <a:r>
               <a:rPr lang="de-DE" dirty="0" err="1"/>
-              <a:t>up</a:t>
+              <a:t>errors</a:t>
             </a:r>
             <a:r>
               <a:rPr lang="de-DE" dirty="0"/>
-              <a:t>)</a:t>
-            </a:r>
-          </a:p>
-          <a:p>
-            <a:pPr lvl="1" indent="-342900">
-              <a:spcBef>
-                <a:spcPts val="0"/>
-              </a:spcBef>
+              <a:t> like </a:t>
+            </a:r>
+            <a:r>
+              <a:rPr lang="de-DE" dirty="0" err="1"/>
+              <a:t>typos</a:t>
+            </a:r>
+            <a:r>
+              <a:rPr lang="de-DE" dirty="0"/>
+              <a:t> </a:t>
+            </a:r>
+            <a:r>
+              <a:rPr lang="de-DE" dirty="0" err="1"/>
+              <a:t>or</a:t>
+            </a:r>
+            <a:r>
+              <a:rPr lang="de-DE" dirty="0"/>
+              <a:t> </a:t>
+            </a:r>
+            <a:r>
+              <a:rPr lang="de-DE" dirty="0" err="1"/>
+              <a:t>wrong</a:t>
+            </a:r>
+            <a:r>
+              <a:rPr lang="de-DE" dirty="0"/>
+              <a:t> </a:t>
+            </a:r>
+            <a:r>
+              <a:rPr lang="de-DE" dirty="0" err="1"/>
+              <a:t>connections</a:t>
+            </a:r>
+            <a:r>
+              <a:rPr lang="de-DE" dirty="0"/>
+              <a:t> </a:t>
+            </a:r>
+            <a:r>
+              <a:rPr lang="de-DE" dirty="0" err="1"/>
+              <a:t>are</a:t>
+            </a:r>
+            <a:r>
+              <a:rPr lang="de-DE" dirty="0"/>
+              <a:t> </a:t>
+            </a:r>
+            <a:r>
+              <a:rPr lang="de-DE" dirty="0" err="1"/>
+              <a:t>hard</a:t>
+            </a:r>
+            <a:r>
+              <a:rPr lang="de-DE" dirty="0"/>
+              <a:t> </a:t>
+            </a:r>
+            <a:r>
+              <a:rPr lang="de-DE" dirty="0" err="1"/>
+              <a:t>to</a:t>
+            </a:r>
+            <a:r>
+              <a:rPr lang="de-DE" dirty="0"/>
+              <a:t> find</a:t>
+            </a:r>
+          </a:p>
+          <a:p>
+            <a:pPr marL="342900" marR="0" lvl="0" indent="-342900" algn="l" rtl="0">
+              <a:spcBef>
+                <a:spcPts val="0"/>
+              </a:spcBef>
+              <a:spcAft>
+                <a:spcPts val="0"/>
+              </a:spcAft>
+              <a:buClr>
+                <a:schemeClr val="dk1"/>
+              </a:buClr>
+              <a:buSzPct val="100000"/>
               <a:buFont typeface="Noto Sans Symbols"/>
               <a:buChar char="▪"/>
             </a:pPr>
+            <a:endParaRPr lang="de-DE" dirty="0"/>
+          </a:p>
+          <a:p>
+            <a:pPr marL="342900" marR="0" lvl="0" indent="-342900" algn="l" rtl="0">
+              <a:spcBef>
+                <a:spcPts val="0"/>
+              </a:spcBef>
+              <a:spcAft>
+                <a:spcPts val="0"/>
+              </a:spcAft>
+              <a:buClr>
+                <a:schemeClr val="dk1"/>
+              </a:buClr>
+              <a:buSzPct val="100000"/>
+              <a:buFont typeface="Noto Sans Symbols"/>
+              <a:buChar char="▪"/>
+            </a:pPr>
             <a:r>
               <a:rPr lang="de-DE" dirty="0" err="1"/>
-              <a:t>Crouch</a:t>
+              <a:t>CoCo</a:t>
             </a:r>
             <a:r>
               <a:rPr lang="de-DE" dirty="0"/>
-              <a:t> (down)</a:t>
-            </a:r>
-          </a:p>
-          <a:p>
-            <a:pPr indent="-342900">
-              <a:spcBef>
-                <a:spcPts val="0"/>
-              </a:spcBef>
+              <a:t> and </a:t>
+            </a:r>
+            <a:r>
+              <a:rPr lang="de-DE" dirty="0" err="1"/>
+              <a:t>console</a:t>
+            </a:r>
+            <a:r>
+              <a:rPr lang="de-DE" dirty="0"/>
+              <a:t> </a:t>
+            </a:r>
+            <a:r>
+              <a:rPr lang="de-DE"/>
+              <a:t>errors </a:t>
+            </a:r>
+            <a:r>
+              <a:rPr lang="de-DE" dirty="0" err="1"/>
+              <a:t>aren‘t</a:t>
+            </a:r>
+            <a:r>
+              <a:rPr lang="de-DE" dirty="0"/>
+              <a:t> </a:t>
+            </a:r>
+            <a:r>
+              <a:rPr lang="de-DE" dirty="0" err="1"/>
+              <a:t>displayed</a:t>
+            </a:r>
+            <a:r>
+              <a:rPr lang="de-DE" dirty="0"/>
+              <a:t> in </a:t>
+            </a:r>
+            <a:r>
+              <a:rPr lang="de-DE" dirty="0" err="1"/>
+              <a:t>the</a:t>
+            </a:r>
+            <a:r>
+              <a:rPr lang="de-DE" dirty="0"/>
+              <a:t> IDE </a:t>
+            </a:r>
+          </a:p>
+          <a:p>
+            <a:pPr marL="342900" marR="0" lvl="0" indent="-342900" algn="l" rtl="0">
+              <a:spcBef>
+                <a:spcPts val="0"/>
+              </a:spcBef>
+              <a:spcAft>
+                <a:spcPts val="0"/>
+              </a:spcAft>
+              <a:buClr>
+                <a:schemeClr val="dk1"/>
+              </a:buClr>
+              <a:buSzPct val="100000"/>
+              <a:buFont typeface="Noto Sans Symbols"/>
+              <a:buChar char="▪"/>
             </a:pPr>
             <a:endParaRPr lang="de-DE" dirty="0"/>
           </a:p>
           <a:p>
-            <a:pPr indent="-342900">
-              <a:spcBef>
-                <a:spcPts val="0"/>
-              </a:spcBef>
-            </a:pPr>
-            <a:endParaRPr lang="de-DE" dirty="0"/>
-          </a:p>
-          <a:p>
-            <a:pPr indent="-342900">
-              <a:spcBef>
-                <a:spcPts val="0"/>
-              </a:spcBef>
-            </a:pPr>
-            <a:r>
-              <a:rPr lang="en-US" dirty="0"/>
-              <a:t>Cyclic Data Extraction, Execution and Simulation of input</a:t>
-            </a:r>
-          </a:p>
-          <a:p>
-            <a:pPr marL="0" indent="0">
-              <a:spcBef>
-                <a:spcPts val="0"/>
-              </a:spcBef>
-              <a:buNone/>
-            </a:pPr>
-            <a:endParaRPr lang="de-DE" dirty="0"/>
-          </a:p>
-          <a:p>
-            <a:pPr marL="127000" marR="0" lvl="0" indent="0" algn="l" rtl="0">
+            <a:pPr marL="342900" marR="0" lvl="0" indent="-342900" algn="l" rtl="0">
               <a:spcBef>
                 <a:spcPts val="0"/>
               </a:spcBef>
@@ -7300,9 +7400,134 @@
                 <a:schemeClr val="dk1"/>
               </a:buClr>
               <a:buSzPct val="100000"/>
-              <a:buNone/>
+              <a:buFont typeface="Noto Sans Symbols"/>
+              <a:buChar char="▪"/>
             </a:pPr>
+            <a:r>
+              <a:rPr lang="de-DE" dirty="0" err="1"/>
+              <a:t>Missing</a:t>
+            </a:r>
+            <a:r>
+              <a:rPr lang="de-DE" dirty="0"/>
+              <a:t> </a:t>
+            </a:r>
+            <a:r>
+              <a:rPr lang="de-DE" dirty="0" err="1"/>
+              <a:t>CoCos</a:t>
+            </a:r>
             <a:endParaRPr lang="de-DE" dirty="0"/>
+          </a:p>
+          <a:p>
+            <a:pPr lvl="1" indent="-342900">
+              <a:spcBef>
+                <a:spcPts val="0"/>
+              </a:spcBef>
+              <a:buFont typeface="Noto Sans Symbols"/>
+              <a:buChar char="▪"/>
+            </a:pPr>
+            <a:r>
+              <a:rPr lang="de-DE" dirty="0" err="1"/>
+              <a:t>Wrong</a:t>
+            </a:r>
+            <a:r>
+              <a:rPr lang="de-DE" dirty="0"/>
+              <a:t> </a:t>
+            </a:r>
+            <a:r>
+              <a:rPr lang="de-DE" dirty="0" err="1"/>
+              <a:t>naming</a:t>
+            </a:r>
+            <a:endParaRPr lang="de-DE" dirty="0"/>
+          </a:p>
+          <a:p>
+            <a:pPr lvl="1" indent="-342900">
+              <a:spcBef>
+                <a:spcPts val="0"/>
+              </a:spcBef>
+              <a:buFont typeface="Noto Sans Symbols"/>
+              <a:buChar char="▪"/>
+            </a:pPr>
+            <a:r>
+              <a:rPr lang="de-DE" dirty="0"/>
+              <a:t>„In“ </a:t>
+            </a:r>
+            <a:r>
+              <a:rPr lang="de-DE" dirty="0" err="1"/>
+              <a:t>port</a:t>
+            </a:r>
+            <a:r>
+              <a:rPr lang="de-DE" dirty="0"/>
+              <a:t> </a:t>
+            </a:r>
+            <a:r>
+              <a:rPr lang="de-DE" dirty="0" err="1"/>
+              <a:t>connected</a:t>
+            </a:r>
+            <a:r>
+              <a:rPr lang="de-DE" dirty="0"/>
+              <a:t> </a:t>
+            </a:r>
+            <a:r>
+              <a:rPr lang="de-DE" dirty="0" err="1"/>
+              <a:t>to</a:t>
+            </a:r>
+            <a:r>
+              <a:rPr lang="de-DE" dirty="0"/>
+              <a:t> </a:t>
+            </a:r>
+            <a:r>
+              <a:rPr lang="de-DE" dirty="0" err="1"/>
+              <a:t>another</a:t>
+            </a:r>
+            <a:r>
+              <a:rPr lang="de-DE" dirty="0"/>
+              <a:t> „in“ </a:t>
+            </a:r>
+            <a:r>
+              <a:rPr lang="de-DE" dirty="0" err="1"/>
+              <a:t>port</a:t>
+            </a:r>
+            <a:endParaRPr lang="de-DE" dirty="0"/>
+          </a:p>
+          <a:p>
+            <a:pPr marL="400050" lvl="1" indent="0">
+              <a:spcBef>
+                <a:spcPts val="0"/>
+              </a:spcBef>
+              <a:buNone/>
+            </a:pPr>
+            <a:endParaRPr lang="en-US" dirty="0"/>
+          </a:p>
+          <a:p>
+            <a:pPr indent="-342900">
+              <a:spcBef>
+                <a:spcPts val="0"/>
+              </a:spcBef>
+            </a:pPr>
+            <a:r>
+              <a:rPr lang="en-US" dirty="0"/>
+              <a:t>Occasionally “wrong” models can only be detected in c-code.</a:t>
+            </a:r>
+          </a:p>
+          <a:p>
+            <a:pPr marL="400050" lvl="1" indent="0">
+              <a:spcBef>
+                <a:spcPts val="0"/>
+              </a:spcBef>
+              <a:buNone/>
+            </a:pPr>
+            <a:endParaRPr lang="en-US" dirty="0"/>
+          </a:p>
+          <a:p>
+            <a:pPr indent="-342900">
+              <a:spcBef>
+                <a:spcPts val="0"/>
+              </a:spcBef>
+            </a:pPr>
+            <a:r>
+              <a:rPr lang="en-US" dirty="0"/>
+              <a:t>IDE does not save when it says it does</a:t>
+            </a:r>
           </a:p>
         </p:txBody>
       </p:sp>
@@ -9202,7 +9427,7 @@
           <a:p>
             <a:r>
               <a:rPr lang="de-DE" dirty="0"/>
-              <a:t>Modelling – Controller</a:t>
+              <a:t>Live Demo</a:t>
             </a:r>
           </a:p>
         </p:txBody>
@@ -11353,17 +11578,6 @@
             <a:r>
               <a:rPr lang="en-US" dirty="0"/>
               <a:t>Cyclic Data Extraction, Execution and Simulation of input</a:t>
-            </a:r>
-          </a:p>
-          <a:p>
-            <a:pPr lvl="1" indent="-342900">
-              <a:spcBef>
-                <a:spcPts val="0"/>
-              </a:spcBef>
-            </a:pPr>
-            <a:r>
-              <a:rPr lang="en-US" dirty="0"/>
-              <a:t>20Hz</a:t>
             </a:r>
           </a:p>
           <a:p>
